--- a/FOSS assignment.pptx
+++ b/FOSS assignment.pptx
@@ -113,6 +113,27 @@
     </a:lvl9pPr>
   </p:defaultTextStyle>
   <p:extLst>
+    <p:ext uri="{521415D9-36F7-43E2-AB2F-B90AF26B5E84}">
+      <p14:sectionLst xmlns:p14="http://schemas.microsoft.com/office/powerpoint/2010/main">
+        <p14:section name="Default Section" id="{D883E8C8-056E-4784-BF7A-DC4CC63281FA}">
+          <p14:sldIdLst>
+            <p14:sldId id="263"/>
+            <p14:sldId id="256"/>
+          </p14:sldIdLst>
+        </p14:section>
+        <p14:section name="Untitled Section" id="{8BA2EAF5-831C-4C36-AF82-DEB06FD0D883}">
+          <p14:sldIdLst>
+            <p14:sldId id="259"/>
+            <p14:sldId id="260"/>
+            <p14:sldId id="261"/>
+            <p14:sldId id="262"/>
+            <p14:sldId id="264"/>
+            <p14:sldId id="257"/>
+            <p14:sldId id="258"/>
+          </p14:sldIdLst>
+        </p14:section>
+      </p14:sectionLst>
+    </p:ext>
     <p:ext uri="{EFAFB233-063F-42B5-8137-9DF3F51BA10A}">
       <p15:sldGuideLst xmlns:p15="http://schemas.microsoft.com/office/powerpoint/2012/main"/>
     </p:ext>
@@ -6386,14 +6407,118 @@
       </p:grpSpPr>
       <p:sp>
         <p:nvSpPr>
+          <p:cNvPr id="7" name="Title 6"/>
+          <p:cNvSpPr>
+            <a:spLocks noGrp="1"/>
+          </p:cNvSpPr>
+          <p:nvPr>
+            <p:ph type="title"/>
+          </p:nvPr>
+        </p:nvSpPr>
+        <p:spPr/>
+        <p:txBody>
+          <a:bodyPr>
+            <a:normAutofit fontScale="90000"/>
+          </a:bodyPr>
+          <a:lstStyle/>
+          <a:p>
+            <a:pPr algn="l"/>
+            <a:r>
+              <a:rPr lang="en-US" dirty="0" smtClean="0"/>
+              <a:t/>
+            </a:r>
+            <a:br>
+              <a:rPr lang="en-US" dirty="0" smtClean="0"/>
+            </a:br>
+            <a:r>
+              <a:rPr lang="en-US" dirty="0"/>
+              <a:t/>
+            </a:r>
+            <a:br>
+              <a:rPr lang="en-US" dirty="0"/>
+            </a:br>
+            <a:r>
+              <a:rPr lang="en-US" dirty="0" smtClean="0"/>
+              <a:t/>
+            </a:r>
+            <a:br>
+              <a:rPr lang="en-US" dirty="0" smtClean="0"/>
+            </a:br>
+            <a:r>
+              <a:rPr lang="en-US" dirty="0"/>
+              <a:t/>
+            </a:r>
+            <a:br>
+              <a:rPr lang="en-US" dirty="0"/>
+            </a:br>
+            <a:r>
+              <a:rPr lang="en-US" dirty="0" smtClean="0"/>
+              <a:t/>
+            </a:r>
+            <a:br>
+              <a:rPr lang="en-US" dirty="0" smtClean="0"/>
+            </a:br>
+            <a:r>
+              <a:rPr lang="en-US" dirty="0"/>
+              <a:t/>
+            </a:r>
+            <a:br>
+              <a:rPr lang="en-US" dirty="0"/>
+            </a:br>
+            <a:r>
+              <a:rPr lang="en-US" dirty="0" smtClean="0"/>
+              <a:t/>
+            </a:r>
+            <a:br>
+              <a:rPr lang="en-US" dirty="0" smtClean="0"/>
+            </a:br>
+            <a:endParaRPr lang="en-IN" dirty="0"/>
+          </a:p>
+        </p:txBody>
+      </p:sp>
+      <p:sp>
+        <p:nvSpPr>
+          <p:cNvPr id="5" name="Text Placeholder 4"/>
+          <p:cNvSpPr>
+            <a:spLocks noGrp="1"/>
+          </p:cNvSpPr>
+          <p:nvPr>
+            <p:ph idx="1"/>
+          </p:nvPr>
+        </p:nvSpPr>
+        <p:spPr/>
+        <p:txBody>
+          <a:bodyPr>
+            <a:normAutofit/>
+          </a:bodyPr>
+          <a:lstStyle/>
+          <a:p>
+            <a:pPr algn="l"/>
+            <a:endParaRPr lang="en-IN" dirty="0" smtClean="0"/>
+          </a:p>
+          <a:p>
+            <a:pPr marL="457200" indent="-457200" algn="l">
+              <a:buFont typeface="+mj-lt"/>
+              <a:buAutoNum type="arabicPeriod"/>
+            </a:pPr>
+            <a:endParaRPr lang="en-US" dirty="0"/>
+          </a:p>
+          <a:p>
+            <a:pPr algn="l"/>
+            <a:endParaRPr lang="en-US" dirty="0" smtClean="0"/>
+          </a:p>
+        </p:txBody>
+      </p:sp>
+      <p:sp>
+        <p:nvSpPr>
           <p:cNvPr id="2" name="TextBox 1"/>
           <p:cNvSpPr txBox="1"/>
           <p:nvPr/>
         </p:nvSpPr>
         <p:spPr>
           <a:xfrm>
-            <a:off x="4640239" y="491319"/>
-            <a:ext cx="2241447" cy="1015663"/>
+            <a:off x="3823853" y="1365327"/>
+            <a:ext cx="4604397" cy="5447645"/>
           </a:xfrm>
           <a:prstGeom prst="rect">
             <a:avLst/>
@@ -6401,97 +6526,90 @@
           <a:noFill/>
         </p:spPr>
         <p:txBody>
-          <a:bodyPr wrap="none" rtlCol="0">
-            <a:spAutoFit/>
-          </a:bodyPr>
-          <a:lstStyle/>
-          <a:p>
-            <a:r>
-              <a:rPr lang="en-US" sz="6000" b="1" u="sng" dirty="0">
-                <a:latin typeface="Calibri" panose="020F0502020204030204" pitchFamily="34" charset="0"/>
-                <a:cs typeface="Calibri" panose="020F0502020204030204" pitchFamily="34" charset="0"/>
-              </a:rPr>
-              <a:t>pyQT5</a:t>
-            </a:r>
-            <a:endParaRPr lang="en-IN" sz="6000" b="1" u="sng" dirty="0">
-              <a:latin typeface="Calibri" panose="020F0502020204030204" pitchFamily="34" charset="0"/>
-              <a:cs typeface="Calibri" panose="020F0502020204030204" pitchFamily="34" charset="0"/>
-            </a:endParaRPr>
-          </a:p>
-        </p:txBody>
-      </p:sp>
-      <p:sp>
-        <p:nvSpPr>
-          <p:cNvPr id="3" name="TextBox 2"/>
-          <p:cNvSpPr txBox="1"/>
-          <p:nvPr/>
-        </p:nvSpPr>
-        <p:spPr>
-          <a:xfrm>
-            <a:off x="1473959" y="1526358"/>
-            <a:ext cx="9608024" cy="5539978"/>
-          </a:xfrm>
-          <a:prstGeom prst="rect">
-            <a:avLst/>
-          </a:prstGeom>
-          <a:noFill/>
-        </p:spPr>
-        <p:txBody>
           <a:bodyPr wrap="square" rtlCol="0">
             <a:spAutoFit/>
           </a:bodyPr>
           <a:lstStyle/>
           <a:p>
             <a:r>
-              <a:rPr lang="en-IN" sz="2800" dirty="0"/>
-              <a:t>PyQt5 is one of the most popular Python bindings for the </a:t>
-            </a:r>
-            <a:r>
-              <a:rPr lang="en-IN" sz="2800" dirty="0" err="1"/>
-              <a:t>Qt</a:t>
-            </a:r>
-            <a:r>
-              <a:rPr lang="en-IN" sz="2800" dirty="0"/>
-              <a:t> cross-platform C++ framework. </a:t>
-            </a:r>
-            <a:r>
-              <a:rPr lang="en-IN" sz="2800" dirty="0" err="1"/>
-              <a:t>PyQt</a:t>
-            </a:r>
-            <a:r>
-              <a:rPr lang="en-IN" sz="2800" dirty="0"/>
-              <a:t> developed by Riverbank Computing Limited. </a:t>
-            </a:r>
-            <a:r>
-              <a:rPr lang="en-IN" sz="2800" dirty="0" err="1"/>
-              <a:t>Qt</a:t>
-            </a:r>
-            <a:r>
-              <a:rPr lang="en-IN" sz="2800" dirty="0"/>
-              <a:t> itself is developed as part of the </a:t>
-            </a:r>
-            <a:r>
-              <a:rPr lang="en-IN" sz="2800" dirty="0" err="1"/>
-              <a:t>Qt</a:t>
-            </a:r>
-            <a:r>
-              <a:rPr lang="en-IN" sz="2800" dirty="0"/>
-              <a:t> Project. PyQt5 which will  build against 5.x.pyQT5 can be built for Python 2 and 3. PyQt5 contains over 620 classes that cover graphical user interfaces, XML handling, network communication, SQL databases, Web browsing and other technologies available in Qt.PyQt5 runs on Windows, Linux, Mac OS X and various UNIX platforms ,Android and iOS. </a:t>
-            </a:r>
-            <a:r>
-              <a:rPr lang="en-IN" sz="2800" dirty="0" err="1"/>
-              <a:t>Qt</a:t>
-            </a:r>
-            <a:r>
-              <a:rPr lang="en-IN" sz="2800" dirty="0"/>
-              <a:t> is set of cross-platform C++ libraries that implement high-level APIs for accessing many aspects of modern desktop and mobile systems.</a:t>
-            </a:r>
-          </a:p>
-          <a:p>
-            <a:endParaRPr lang="en-IN" sz="2800" dirty="0"/>
-          </a:p>
-          <a:p>
-            <a:endParaRPr lang="en-IN" dirty="0"/>
+              <a:rPr lang="en-US" sz="4000" b="1" dirty="0" smtClean="0"/>
+              <a:t>REQUIREMENTS</a:t>
+            </a:r>
+          </a:p>
+          <a:p>
+            <a:r>
+              <a:rPr lang="en-US" sz="4000" b="1" dirty="0" smtClean="0"/>
+              <a:t>1.Language used</a:t>
+            </a:r>
+          </a:p>
+          <a:p>
+            <a:pPr marL="457200" indent="-457200">
+              <a:buFont typeface="Arial" panose="020B0604020202020204" pitchFamily="34" charset="0"/>
+              <a:buChar char="•"/>
+            </a:pPr>
+            <a:r>
+              <a:rPr lang="en-US" sz="4000" b="1" dirty="0" smtClean="0"/>
+              <a:t>python</a:t>
+            </a:r>
+          </a:p>
+          <a:p>
+            <a:r>
+              <a:rPr lang="en-US" sz="4000" b="1" dirty="0"/>
+              <a:t>2</a:t>
+            </a:r>
+            <a:r>
+              <a:rPr lang="en-US" sz="4000" b="1" dirty="0" smtClean="0"/>
+              <a:t>.LIBARIES USED:</a:t>
+            </a:r>
+          </a:p>
+          <a:p>
+            <a:pPr marL="457200" indent="-457200">
+              <a:buFont typeface="Arial" panose="020B0604020202020204" pitchFamily="34" charset="0"/>
+              <a:buChar char="•"/>
+            </a:pPr>
+            <a:r>
+              <a:rPr lang="en-US" sz="4000" b="1" dirty="0" smtClean="0"/>
+              <a:t>PyQt5</a:t>
+            </a:r>
+          </a:p>
+          <a:p>
+            <a:pPr marL="457200" indent="-457200">
+              <a:buFont typeface="Arial" panose="020B0604020202020204" pitchFamily="34" charset="0"/>
+              <a:buChar char="•"/>
+            </a:pPr>
+            <a:r>
+              <a:rPr lang="en-US" sz="4000" b="1" dirty="0" err="1" smtClean="0"/>
+              <a:t>Subprocess</a:t>
+            </a:r>
+            <a:endParaRPr lang="en-US" sz="4000" b="1" dirty="0"/>
+          </a:p>
+          <a:p>
+            <a:r>
+              <a:rPr lang="en-US" sz="3600" b="1" dirty="0" smtClean="0"/>
+              <a:t>3</a:t>
+            </a:r>
+            <a:r>
+              <a:rPr lang="en-US" sz="4000" b="1" dirty="0" smtClean="0"/>
+              <a:t>.IDE used     </a:t>
+            </a:r>
+          </a:p>
+          <a:p>
+            <a:pPr marL="571500" indent="-571500">
+              <a:buFont typeface="Arial" panose="020B0604020202020204" pitchFamily="34" charset="0"/>
+              <a:buChar char="•"/>
+            </a:pPr>
+            <a:r>
+              <a:rPr lang="en-US" sz="4000" b="1" dirty="0" err="1" smtClean="0"/>
+              <a:t>VSCode</a:t>
+            </a:r>
+            <a:endParaRPr lang="en-US" sz="4000" b="1" dirty="0" smtClean="0"/>
+          </a:p>
+          <a:p>
+            <a:r>
+              <a:rPr lang="en-US" sz="2800" b="1" dirty="0" smtClean="0"/>
+              <a:t>   </a:t>
+            </a:r>
+            <a:endParaRPr lang="en-IN" sz="2800" b="1" dirty="0"/>
           </a:p>
         </p:txBody>
       </p:sp>
@@ -6520,88 +6638,9 @@
   <p:timing>
     <p:tnLst>
       <p:par>
-        <p:cTn id="1" dur="indefinite" restart="never" nodeType="tmRoot">
-          <p:childTnLst>
-            <p:seq concurrent="1" nextAc="seek">
-              <p:cTn id="2" dur="indefinite" nodeType="mainSeq">
-                <p:childTnLst>
-                  <p:par>
-                    <p:cTn id="3" fill="hold">
-                      <p:stCondLst>
-                        <p:cond delay="indefinite"/>
-                      </p:stCondLst>
-                      <p:childTnLst>
-                        <p:par>
-                          <p:cTn id="4" fill="hold">
-                            <p:stCondLst>
-                              <p:cond delay="0"/>
-                            </p:stCondLst>
-                            <p:childTnLst>
-                              <p:par>
-                                <p:cTn id="5" presetID="14" presetClass="entr" presetSubtype="10" fill="hold" grpId="0" nodeType="clickEffect">
-                                  <p:stCondLst>
-                                    <p:cond delay="0"/>
-                                  </p:stCondLst>
-                                  <p:childTnLst>
-                                    <p:set>
-                                      <p:cBhvr>
-                                        <p:cTn id="6" dur="1" fill="hold">
-                                          <p:stCondLst>
-                                            <p:cond delay="0"/>
-                                          </p:stCondLst>
-                                        </p:cTn>
-                                        <p:tgtEl>
-                                          <p:spTgt spid="3"/>
-                                        </p:tgtEl>
-                                        <p:attrNameLst>
-                                          <p:attrName>style.visibility</p:attrName>
-                                        </p:attrNameLst>
-                                      </p:cBhvr>
-                                      <p:to>
-                                        <p:strVal val="visible"/>
-                                      </p:to>
-                                    </p:set>
-                                    <p:animEffect transition="in" filter="randombar(horizontal)">
-                                      <p:cBhvr>
-                                        <p:cTn id="7" dur="500"/>
-                                        <p:tgtEl>
-                                          <p:spTgt spid="3"/>
-                                        </p:tgtEl>
-                                      </p:cBhvr>
-                                    </p:animEffect>
-                                  </p:childTnLst>
-                                </p:cTn>
-                              </p:par>
-                            </p:childTnLst>
-                          </p:cTn>
-                        </p:par>
-                      </p:childTnLst>
-                    </p:cTn>
-                  </p:par>
-                </p:childTnLst>
-              </p:cTn>
-              <p:prevCondLst>
-                <p:cond evt="onPrev" delay="0">
-                  <p:tgtEl>
-                    <p:sldTgt/>
-                  </p:tgtEl>
-                </p:cond>
-              </p:prevCondLst>
-              <p:nextCondLst>
-                <p:cond evt="onNext" delay="0">
-                  <p:tgtEl>
-                    <p:sldTgt/>
-                  </p:tgtEl>
-                </p:cond>
-              </p:nextCondLst>
-            </p:seq>
-          </p:childTnLst>
-        </p:cTn>
+        <p:cTn id="1" dur="indefinite" restart="never" nodeType="tmRoot"/>
       </p:par>
     </p:tnLst>
-    <p:bldLst>
-      <p:bldP spid="3" grpId="0"/>
-    </p:bldLst>
   </p:timing>
 </p:sld>
 </file>
@@ -6632,7 +6671,7 @@
         <p:spPr>
           <a:xfrm>
             <a:off x="1514902" y="313898"/>
-            <a:ext cx="9539784" cy="5109091"/>
+            <a:ext cx="9539784" cy="369332"/>
           </a:xfrm>
           <a:prstGeom prst="rect">
             <a:avLst/>
@@ -6645,33 +6684,146 @@
           </a:bodyPr>
           <a:lstStyle/>
           <a:p>
-            <a:r>
-              <a:rPr lang="en-IN" sz="2800" dirty="0"/>
-              <a:t> These include location and positioning services, multimedia, NFC and Bluetooth connectivity, a Chromium based web browser, as well as traditional UI development.</a:t>
-            </a:r>
-          </a:p>
-          <a:p>
-            <a:r>
-              <a:rPr lang="en-IN" sz="2800" dirty="0"/>
-              <a:t>PyQt5 is a comprehensive set of Python bindings for </a:t>
-            </a:r>
-            <a:r>
-              <a:rPr lang="en-IN" sz="2800" dirty="0" err="1"/>
+            <a:endParaRPr lang="en-IN" dirty="0"/>
+          </a:p>
+        </p:txBody>
+      </p:sp>
+      <p:sp>
+        <p:nvSpPr>
+          <p:cNvPr id="3" name="Title 2"/>
+          <p:cNvSpPr>
+            <a:spLocks noGrp="1"/>
+          </p:cNvSpPr>
+          <p:nvPr>
+            <p:ph type="ctrTitle"/>
+          </p:nvPr>
+        </p:nvSpPr>
+        <p:spPr>
+          <a:xfrm>
+            <a:off x="2928401" y="138546"/>
+            <a:ext cx="8574622" cy="720036"/>
+          </a:xfrm>
+        </p:spPr>
+        <p:txBody>
+          <a:bodyPr>
+            <a:normAutofit fontScale="90000"/>
+          </a:bodyPr>
+          <a:lstStyle/>
+          <a:p>
+            <a:pPr algn="ctr"/>
+            <a:r>
+              <a:rPr lang="en-US" dirty="0" smtClean="0"/>
+              <a:t>PyQt5</a:t>
+            </a:r>
+            <a:endParaRPr lang="en-IN" dirty="0"/>
+          </a:p>
+        </p:txBody>
+      </p:sp>
+      <p:sp>
+        <p:nvSpPr>
+          <p:cNvPr id="4" name="Subtitle 3"/>
+          <p:cNvSpPr>
+            <a:spLocks noGrp="1"/>
+          </p:cNvSpPr>
+          <p:nvPr>
+            <p:ph type="subTitle" idx="1"/>
+          </p:nvPr>
+        </p:nvSpPr>
+        <p:spPr>
+          <a:xfrm>
+            <a:off x="3200399" y="858582"/>
+            <a:ext cx="8302623" cy="5860873"/>
+          </a:xfrm>
+        </p:spPr>
+        <p:txBody>
+          <a:bodyPr>
+            <a:normAutofit/>
+          </a:bodyPr>
+          <a:lstStyle/>
+          <a:p>
+            <a:pPr marL="457200" indent="-457200" algn="l">
+              <a:buFont typeface="Arial" panose="020B0604020202020204" pitchFamily="34" charset="0"/>
+              <a:buChar char="•"/>
+            </a:pPr>
+            <a:r>
+              <a:rPr lang="en-US" sz="2800" dirty="0" smtClean="0"/>
+              <a:t>   </a:t>
+            </a:r>
+            <a:r>
+              <a:rPr lang="en-US" sz="2800" dirty="0" err="1" smtClean="0"/>
+              <a:t>PyQt</a:t>
+            </a:r>
+            <a:r>
+              <a:rPr lang="en-US" sz="2800" dirty="0" smtClean="0"/>
+              <a:t> </a:t>
+            </a:r>
+            <a:r>
+              <a:rPr lang="en-US" sz="2800" dirty="0"/>
+              <a:t>developed by Riverbank Computing Limited.</a:t>
+            </a:r>
+          </a:p>
+          <a:p>
+            <a:pPr marL="457200" indent="-457200" algn="l">
+              <a:buFont typeface="Arial" panose="020B0604020202020204" pitchFamily="34" charset="0"/>
+              <a:buChar char="•"/>
+            </a:pPr>
+            <a:r>
+              <a:rPr lang="en-US" sz="2800" dirty="0" smtClean="0"/>
+              <a:t> PyQt5 </a:t>
+            </a:r>
+            <a:r>
+              <a:rPr lang="en-US" sz="2800" dirty="0"/>
+              <a:t>contains over 620 classes that cover graphical user </a:t>
+            </a:r>
+            <a:r>
+              <a:rPr lang="en-US" sz="2800" dirty="0" smtClean="0"/>
+              <a:t>     interfaces</a:t>
+            </a:r>
+            <a:r>
+              <a:rPr lang="en-US" sz="2800" dirty="0"/>
+              <a:t>, XML handling, Web browsing and other technologies</a:t>
+            </a:r>
+          </a:p>
+          <a:p>
+            <a:pPr marL="457200" indent="-457200" algn="l">
+              <a:buFont typeface="Arial" panose="020B0604020202020204" pitchFamily="34" charset="0"/>
+              <a:buChar char="•"/>
+            </a:pPr>
+            <a:r>
+              <a:rPr lang="en-US" sz="2800" dirty="0" smtClean="0"/>
+              <a:t>  </a:t>
+            </a:r>
+            <a:r>
+              <a:rPr lang="en-US" sz="2800" dirty="0" err="1" smtClean="0"/>
               <a:t>Qt</a:t>
             </a:r>
             <a:r>
-              <a:rPr lang="en-IN" sz="2800" dirty="0"/>
-              <a:t> v5. It is implemented as more than 35 extension modules and enables Python to be used as an alternative application development language to C++ on all supported platforms including iOS and Android.</a:t>
-            </a:r>
-          </a:p>
-          <a:p>
-            <a:r>
-              <a:rPr lang="en-IN" sz="2800" dirty="0"/>
-              <a:t>PyQt5 may also be embedded in C++ based applications to allow users of those applications to configure or enhance the functionality of those applications.</a:t>
-            </a:r>
-          </a:p>
-          <a:p>
-            <a:endParaRPr lang="en-IN" dirty="0"/>
+              <a:rPr lang="en-US" sz="2800" dirty="0" smtClean="0"/>
+              <a:t> </a:t>
+            </a:r>
+            <a:r>
+              <a:rPr lang="en-US" sz="2800" dirty="0"/>
+              <a:t>is set of cross-platform C++ libraries that implement high-level APIs for accessing many aspects of modern desktop and mobile systems.</a:t>
+            </a:r>
+          </a:p>
+          <a:p>
+            <a:pPr marL="457200" indent="-457200" algn="l">
+              <a:buFont typeface="Arial" panose="020B0604020202020204" pitchFamily="34" charset="0"/>
+              <a:buChar char="•"/>
+            </a:pPr>
+            <a:r>
+              <a:rPr lang="en-US" sz="2800" dirty="0" smtClean="0"/>
+              <a:t> </a:t>
+            </a:r>
+            <a:r>
+              <a:rPr lang="en-US" sz="2800" dirty="0"/>
+              <a:t>Enables Python to be used as an alternative application development language to C++ on all supported platforms.</a:t>
+            </a:r>
+            <a:endParaRPr lang="en-IN" sz="2800" dirty="0"/>
+          </a:p>
+          <a:p>
+            <a:pPr algn="ctr"/>
+            <a:endParaRPr lang="en-IN" sz="2800" dirty="0"/>
           </a:p>
         </p:txBody>
       </p:sp>
@@ -6756,7 +6908,7 @@
         <p:spPr>
           <a:xfrm>
             <a:off x="3903258" y="1302265"/>
-            <a:ext cx="6100550" cy="5847755"/>
+            <a:ext cx="6100550" cy="5909310"/>
           </a:xfrm>
           <a:prstGeom prst="rect">
             <a:avLst/>
@@ -6770,300 +6922,274 @@
           <a:lstStyle/>
           <a:p>
             <a:r>
-              <a:rPr lang="en-GB" dirty="0"/>
-              <a:t>from PyQt5.QtCore    import * </a:t>
+              <a:rPr lang="en-IN" dirty="0"/>
+              <a:t>from PyQt5.QtCore    import * </a:t>
+            </a:r>
+          </a:p>
+          <a:p>
+            <a:r>
+              <a:rPr lang="en-IN" dirty="0"/>
+              <a:t>from PyQt5.QtWidgets import *</a:t>
+            </a:r>
+          </a:p>
+          <a:p>
+            <a:r>
+              <a:rPr lang="en-IN" dirty="0"/>
+              <a:t>import </a:t>
+            </a:r>
+            <a:r>
+              <a:rPr lang="en-IN" dirty="0" err="1"/>
+              <a:t>os</a:t>
             </a:r>
             <a:endParaRPr lang="en-IN" dirty="0"/>
           </a:p>
           <a:p>
             <a:r>
-              <a:rPr lang="en-GB" dirty="0"/>
-              <a:t>from PyQt5.QtWidgets import *</a:t>
+              <a:rPr lang="en-IN" dirty="0"/>
+              <a:t>import </a:t>
+            </a:r>
+            <a:r>
+              <a:rPr lang="en-IN" dirty="0" err="1"/>
+              <a:t>subprocess</a:t>
             </a:r>
             <a:endParaRPr lang="en-IN" dirty="0"/>
           </a:p>
           <a:p>
             <a:r>
-              <a:rPr lang="en-GB" dirty="0"/>
-              <a:t>import </a:t>
-            </a:r>
-            <a:r>
-              <a:rPr lang="en-GB" dirty="0" err="1"/>
-              <a:t>os</a:t>
+              <a:rPr lang="en-IN" dirty="0"/>
+              <a:t>class Page(</a:t>
+            </a:r>
+            <a:r>
+              <a:rPr lang="en-IN" dirty="0" err="1"/>
+              <a:t>QDialog</a:t>
+            </a:r>
+            <a:r>
+              <a:rPr lang="en-IN" dirty="0"/>
+              <a:t>): </a:t>
+            </a:r>
+          </a:p>
+          <a:p>
+            <a:r>
+              <a:rPr lang="en-IN" dirty="0"/>
+              <a:t>    </a:t>
+            </a:r>
+            <a:r>
+              <a:rPr lang="en-IN" dirty="0" err="1"/>
+              <a:t>def</a:t>
+            </a:r>
+            <a:r>
+              <a:rPr lang="en-IN" dirty="0"/>
+              <a:t> __</a:t>
+            </a:r>
+            <a:r>
+              <a:rPr lang="en-IN" dirty="0" err="1"/>
+              <a:t>init</a:t>
+            </a:r>
+            <a:r>
+              <a:rPr lang="en-IN" dirty="0"/>
+              <a:t>__(self, parent=None):             </a:t>
+            </a:r>
+          </a:p>
+          <a:p>
+            <a:r>
+              <a:rPr lang="en-IN" dirty="0"/>
+              <a:t>        super(Page, self).__</a:t>
+            </a:r>
+            <a:r>
+              <a:rPr lang="en-IN" dirty="0" err="1"/>
+              <a:t>init</a:t>
+            </a:r>
+            <a:r>
+              <a:rPr lang="en-IN" dirty="0"/>
+              <a:t>__(parent)      </a:t>
+            </a:r>
+            <a:r>
+              <a:rPr lang="en-IN"/>
+              <a:t> </a:t>
             </a:r>
             <a:endParaRPr lang="en-IN" dirty="0"/>
           </a:p>
           <a:p>
             <a:r>
-              <a:rPr lang="en-GB" dirty="0"/>
-              <a:t>import </a:t>
-            </a:r>
-            <a:r>
-              <a:rPr lang="en-GB" dirty="0" err="1"/>
-              <a:t>subprocess</a:t>
-            </a:r>
-            <a:endParaRPr lang="en-IN" dirty="0"/>
-          </a:p>
-          <a:p>
-            <a:r>
-              <a:rPr lang="en-GB" dirty="0"/>
-              <a:t>class Page(</a:t>
-            </a:r>
-            <a:r>
-              <a:rPr lang="en-GB" dirty="0" err="1"/>
-              <a:t>QDialog</a:t>
-            </a:r>
-            <a:r>
-              <a:rPr lang="en-GB" dirty="0"/>
-              <a:t>): </a:t>
-            </a:r>
-            <a:endParaRPr lang="en-IN" dirty="0"/>
-          </a:p>
-          <a:p>
-            <a:r>
-              <a:rPr lang="en-GB" dirty="0"/>
-              <a:t>    </a:t>
-            </a:r>
-            <a:r>
-              <a:rPr lang="en-GB" dirty="0" err="1"/>
-              <a:t>def</a:t>
-            </a:r>
-            <a:r>
-              <a:rPr lang="en-GB" dirty="0"/>
-              <a:t> __</a:t>
-            </a:r>
-            <a:r>
-              <a:rPr lang="en-GB" dirty="0" err="1"/>
-              <a:t>init</a:t>
-            </a:r>
-            <a:r>
-              <a:rPr lang="en-GB" dirty="0"/>
-              <a:t>__(self, parent=None):             # __</a:t>
-            </a:r>
-            <a:r>
-              <a:rPr lang="en-GB" dirty="0" err="1"/>
-              <a:t>init</a:t>
-            </a:r>
-            <a:r>
-              <a:rPr lang="en-GB" dirty="0"/>
-              <a:t>__</a:t>
-            </a:r>
-            <a:endParaRPr lang="en-IN" dirty="0"/>
-          </a:p>
-          <a:p>
-            <a:r>
-              <a:rPr lang="en-GB" dirty="0"/>
-              <a:t>        super(Page, self).__</a:t>
-            </a:r>
-            <a:r>
-              <a:rPr lang="en-GB" dirty="0" err="1"/>
-              <a:t>init</a:t>
-            </a:r>
-            <a:r>
-              <a:rPr lang="en-GB" dirty="0"/>
-              <a:t>__(parent)       # __</a:t>
-            </a:r>
-            <a:r>
-              <a:rPr lang="en-GB" dirty="0" err="1"/>
-              <a:t>init</a:t>
-            </a:r>
-            <a:r>
-              <a:rPr lang="en-GB" dirty="0"/>
-              <a:t>__</a:t>
-            </a:r>
-            <a:endParaRPr lang="en-IN" dirty="0"/>
-          </a:p>
-          <a:p>
-            <a:r>
-              <a:rPr lang="en-GB" dirty="0"/>
-              <a:t> </a:t>
-            </a:r>
-            <a:endParaRPr lang="en-IN" dirty="0"/>
-          </a:p>
-          <a:p>
-            <a:r>
-              <a:rPr lang="en-GB" dirty="0"/>
-              <a:t>        </a:t>
-            </a:r>
-            <a:r>
-              <a:rPr lang="en-GB" dirty="0" err="1"/>
+              <a:rPr lang="en-IN" dirty="0"/>
+              <a:t/>
+            </a:r>
+            <a:br>
+              <a:rPr lang="en-IN" dirty="0"/>
+            </a:br>
+            <a:r>
+              <a:rPr lang="en-IN" dirty="0"/>
+              <a:t>        </a:t>
+            </a:r>
+            <a:r>
+              <a:rPr lang="en-IN" dirty="0" err="1"/>
               <a:t>self.my_label</a:t>
             </a:r>
             <a:r>
-              <a:rPr lang="en-GB" dirty="0"/>
-              <a:t> = </a:t>
-            </a:r>
-            <a:r>
-              <a:rPr lang="en-GB" dirty="0" err="1"/>
+              <a:rPr lang="en-IN" dirty="0"/>
+              <a:t> = </a:t>
+            </a:r>
+            <a:r>
+              <a:rPr lang="en-IN" dirty="0" err="1"/>
               <a:t>QLineEdit</a:t>
             </a:r>
             <a:r>
-              <a:rPr lang="en-GB" dirty="0"/>
+              <a:rPr lang="en-IN" dirty="0"/>
               <a:t>("ls")</a:t>
             </a:r>
-            <a:endParaRPr lang="en-IN" dirty="0"/>
-          </a:p>
-          <a:p>
-            <a:r>
-              <a:rPr lang="en-GB" dirty="0"/>
-              <a:t>        button = </a:t>
-            </a:r>
-            <a:r>
-              <a:rPr lang="en-GB" dirty="0" err="1"/>
+          </a:p>
+          <a:p>
+            <a:r>
+              <a:rPr lang="en-IN" dirty="0"/>
+              <a:t>        button = </a:t>
+            </a:r>
+            <a:r>
+              <a:rPr lang="en-IN" dirty="0" err="1"/>
               <a:t>QPushButton</a:t>
             </a:r>
             <a:r>
-              <a:rPr lang="en-GB" dirty="0"/>
-              <a:t>("Show Greetings")</a:t>
-            </a:r>
-            <a:endParaRPr lang="en-IN" dirty="0"/>
-          </a:p>
-          <a:p>
-            <a:r>
-              <a:rPr lang="en-GB" dirty="0"/>
-              <a:t>        </a:t>
-            </a:r>
-            <a:r>
-              <a:rPr lang="en-GB" dirty="0" err="1"/>
+              <a:rPr lang="en-IN" dirty="0"/>
+              <a:t>("OUTPUT")</a:t>
+            </a:r>
+          </a:p>
+          <a:p>
+            <a:r>
+              <a:rPr lang="en-IN" dirty="0"/>
+              <a:t>        </a:t>
+            </a:r>
+            <a:r>
+              <a:rPr lang="en-IN" dirty="0" err="1"/>
               <a:t>self.outputLabel</a:t>
             </a:r>
             <a:r>
-              <a:rPr lang="en-GB" dirty="0"/>
-              <a:t> = </a:t>
-            </a:r>
-            <a:r>
-              <a:rPr lang="en-GB" dirty="0" err="1"/>
+              <a:rPr lang="en-IN" dirty="0"/>
+              <a:t> = </a:t>
+            </a:r>
+            <a:r>
+              <a:rPr lang="en-IN" dirty="0" err="1"/>
               <a:t>QLabel</a:t>
             </a:r>
             <a:r>
-              <a:rPr lang="en-GB" dirty="0"/>
+              <a:rPr lang="en-IN" dirty="0"/>
               <a:t>()</a:t>
             </a:r>
-            <a:endParaRPr lang="en-IN" dirty="0"/>
-          </a:p>
-          <a:p>
-            <a:r>
-              <a:rPr lang="en-GB" dirty="0"/>
-              <a:t>        </a:t>
-            </a:r>
-            <a:endParaRPr lang="en-IN" dirty="0"/>
-          </a:p>
-          <a:p>
-            <a:r>
-              <a:rPr lang="en-GB" dirty="0"/>
-              <a:t>        </a:t>
-            </a:r>
-            <a:r>
-              <a:rPr lang="en-GB" dirty="0" err="1"/>
+          </a:p>
+          <a:p>
+            <a:r>
+              <a:rPr lang="en-IN" dirty="0"/>
+              <a:t>        </a:t>
+            </a:r>
+          </a:p>
+          <a:p>
+            <a:r>
+              <a:rPr lang="en-IN" dirty="0"/>
+              <a:t>        </a:t>
+            </a:r>
+            <a:r>
+              <a:rPr lang="en-IN" dirty="0" err="1"/>
               <a:t>self.layout</a:t>
             </a:r>
             <a:r>
-              <a:rPr lang="en-GB" dirty="0"/>
-              <a:t>   = </a:t>
-            </a:r>
-            <a:r>
-              <a:rPr lang="en-GB" dirty="0" err="1"/>
+              <a:rPr lang="en-IN" dirty="0"/>
+              <a:t>   = </a:t>
+            </a:r>
+            <a:r>
+              <a:rPr lang="en-IN" dirty="0" err="1"/>
               <a:t>QVBoxLayout</a:t>
             </a:r>
             <a:r>
-              <a:rPr lang="en-GB" dirty="0"/>
+              <a:rPr lang="en-IN" dirty="0"/>
               <a:t>()</a:t>
             </a:r>
-            <a:endParaRPr lang="en-IN" dirty="0"/>
-          </a:p>
-          <a:p>
-            <a:r>
-              <a:rPr lang="en-GB" dirty="0"/>
-              <a:t>        </a:t>
-            </a:r>
-            <a:endParaRPr lang="en-IN" dirty="0"/>
-          </a:p>
-          <a:p>
-            <a:r>
-              <a:rPr lang="en-GB" dirty="0"/>
-              <a:t>        </a:t>
-            </a:r>
-            <a:r>
-              <a:rPr lang="en-GB" dirty="0" err="1"/>
+          </a:p>
+          <a:p>
+            <a:r>
+              <a:rPr lang="en-IN" dirty="0"/>
+              <a:t>        </a:t>
+            </a:r>
+          </a:p>
+          <a:p>
+            <a:r>
+              <a:rPr lang="en-IN" dirty="0"/>
+              <a:t>        </a:t>
+            </a:r>
+            <a:r>
+              <a:rPr lang="en-IN" dirty="0" err="1"/>
               <a:t>self.layout.addWidget</a:t>
             </a:r>
             <a:r>
-              <a:rPr lang="en-GB" dirty="0"/>
+              <a:rPr lang="en-IN" dirty="0"/>
               <a:t>(</a:t>
             </a:r>
             <a:r>
-              <a:rPr lang="en-GB" dirty="0" err="1"/>
+              <a:rPr lang="en-IN" dirty="0" err="1"/>
               <a:t>self.my_label</a:t>
             </a:r>
             <a:r>
-              <a:rPr lang="en-GB" dirty="0"/>
+              <a:rPr lang="en-IN" dirty="0"/>
               <a:t>)</a:t>
             </a:r>
-            <a:endParaRPr lang="en-IN" dirty="0"/>
-          </a:p>
-          <a:p>
-            <a:r>
-              <a:rPr lang="en-GB" dirty="0"/>
-              <a:t>        </a:t>
-            </a:r>
-            <a:r>
-              <a:rPr lang="en-GB" dirty="0" err="1"/>
+          </a:p>
+          <a:p>
+            <a:r>
+              <a:rPr lang="en-IN" dirty="0"/>
+              <a:t>        </a:t>
+            </a:r>
+            <a:r>
+              <a:rPr lang="en-IN" dirty="0" err="1"/>
               <a:t>self.layout.addWidget</a:t>
             </a:r>
             <a:r>
-              <a:rPr lang="en-GB" dirty="0"/>
+              <a:rPr lang="en-IN" dirty="0"/>
               <a:t>(button)</a:t>
             </a:r>
-            <a:endParaRPr lang="en-IN" dirty="0"/>
-          </a:p>
-          <a:p>
-            <a:r>
-              <a:rPr lang="en-GB" dirty="0"/>
-              <a:t>        </a:t>
-            </a:r>
-            <a:endParaRPr lang="en-IN" dirty="0"/>
-          </a:p>
-          <a:p>
-            <a:r>
-              <a:rPr lang="en-GB" dirty="0"/>
-              <a:t> </a:t>
-            </a:r>
-            <a:endParaRPr lang="en-IN" dirty="0"/>
-          </a:p>
-          <a:p>
-            <a:r>
-              <a:rPr lang="en-GB" dirty="0"/>
-              <a:t>        </a:t>
-            </a:r>
-            <a:r>
-              <a:rPr lang="en-GB" dirty="0" err="1"/>
+          </a:p>
+          <a:p>
+            <a:r>
+              <a:rPr lang="en-IN" dirty="0"/>
+              <a:t>        </a:t>
+            </a:r>
+          </a:p>
+          <a:p>
+            <a:r>
+              <a:rPr lang="en-IN" dirty="0"/>
+              <a:t/>
+            </a:r>
+            <a:br>
+              <a:rPr lang="en-IN" dirty="0"/>
+            </a:br>
+            <a:r>
+              <a:rPr lang="en-IN" dirty="0"/>
+              <a:t>        </a:t>
+            </a:r>
+            <a:r>
+              <a:rPr lang="en-IN" dirty="0" err="1"/>
               <a:t>self.setLayout</a:t>
             </a:r>
             <a:r>
-              <a:rPr lang="en-GB" dirty="0"/>
+              <a:rPr lang="en-IN" dirty="0"/>
               <a:t>(</a:t>
             </a:r>
             <a:r>
-              <a:rPr lang="en-GB" dirty="0" err="1"/>
+              <a:rPr lang="en-IN" dirty="0" err="1"/>
               <a:t>self.layout</a:t>
             </a:r>
             <a:r>
-              <a:rPr lang="en-GB" dirty="0"/>
+              <a:rPr lang="en-IN" dirty="0"/>
               <a:t>)</a:t>
             </a:r>
-            <a:endParaRPr lang="en-IN" dirty="0"/>
-          </a:p>
-          <a:p>
-            <a:r>
-              <a:rPr lang="en-GB" dirty="0"/>
-              <a:t> </a:t>
-            </a:r>
-            <a:endParaRPr lang="en-IN" dirty="0"/>
-          </a:p>
-          <a:p>
-            <a:r>
-              <a:rPr lang="en-GB" sz="1400" dirty="0"/>
-              <a:t> </a:t>
+          </a:p>
+          <a:p>
+            <a:r>
+              <a:rPr lang="en-IN" dirty="0"/>
+              <a:t/>
+            </a:r>
+            <a:br>
+              <a:rPr lang="en-IN" dirty="0"/>
+            </a:br>
+            <a:r>
+              <a:rPr lang="en-IN" dirty="0"/>
+              <a:t>       </a:t>
             </a:r>
             <a:endParaRPr lang="en-IN" sz="1400" dirty="0"/>
           </a:p>
@@ -7252,7 +7378,7 @@
         <p:spPr>
           <a:xfrm>
             <a:off x="3098041" y="300250"/>
-            <a:ext cx="8318367" cy="5909310"/>
+            <a:ext cx="8167685" cy="5847755"/>
           </a:xfrm>
           <a:prstGeom prst="rect">
             <a:avLst/>
@@ -7270,396 +7396,367 @@
               <a:t> </a:t>
             </a:r>
             <a:r>
-              <a:rPr lang="en-GB" dirty="0" err="1"/>
+              <a:rPr lang="en-IN" dirty="0"/>
+              <a:t> </a:t>
+            </a:r>
+            <a:r>
+              <a:rPr lang="en-IN" dirty="0" err="1"/>
               <a:t>self.setLayout</a:t>
             </a:r>
             <a:r>
-              <a:rPr lang="en-GB" dirty="0"/>
+              <a:rPr lang="en-IN" dirty="0"/>
               <a:t>(</a:t>
             </a:r>
             <a:r>
-              <a:rPr lang="en-GB" dirty="0" err="1"/>
+              <a:rPr lang="en-IN" dirty="0" err="1"/>
               <a:t>self.layout</a:t>
             </a:r>
             <a:r>
-              <a:rPr lang="en-GB" dirty="0"/>
+              <a:rPr lang="en-IN" dirty="0"/>
               <a:t>)</a:t>
             </a:r>
-            <a:endParaRPr lang="en-IN" dirty="0"/>
-          </a:p>
-          <a:p>
-            <a:r>
-              <a:rPr lang="en-GB" dirty="0"/>
-              <a:t>        </a:t>
-            </a:r>
-            <a:r>
-              <a:rPr lang="en-GB" dirty="0" err="1"/>
+          </a:p>
+          <a:p>
+            <a:r>
+              <a:rPr lang="en-IN" dirty="0"/>
+              <a:t>        </a:t>
+            </a:r>
+            <a:r>
+              <a:rPr lang="en-IN" dirty="0" err="1"/>
               <a:t>self.setWindowTitle</a:t>
             </a:r>
             <a:r>
-              <a:rPr lang="en-GB" dirty="0"/>
-              <a:t>("my first </a:t>
-            </a:r>
-            <a:r>
-              <a:rPr lang="en-GB" dirty="0" err="1"/>
-              <a:t>Qt</a:t>
-            </a:r>
-            <a:r>
-              <a:rPr lang="en-GB" dirty="0"/>
-              <a:t> app")</a:t>
-            </a:r>
-            <a:endParaRPr lang="en-IN" dirty="0"/>
-          </a:p>
-          <a:p>
-            <a:r>
-              <a:rPr lang="en-GB" dirty="0"/>
-              <a:t>        </a:t>
-            </a:r>
-            <a:r>
-              <a:rPr lang="en-GB" dirty="0" err="1"/>
+              <a:rPr lang="en-IN" dirty="0"/>
+              <a:t>("COMMAND PATH")</a:t>
+            </a:r>
+          </a:p>
+          <a:p>
+            <a:r>
+              <a:rPr lang="en-IN" dirty="0"/>
+              <a:t>        </a:t>
+            </a:r>
+            <a:r>
+              <a:rPr lang="en-IN" dirty="0" err="1"/>
               <a:t>button.clicked.connect</a:t>
             </a:r>
             <a:r>
-              <a:rPr lang="en-GB" dirty="0"/>
+              <a:rPr lang="en-IN" dirty="0"/>
               <a:t>(</a:t>
             </a:r>
             <a:r>
-              <a:rPr lang="en-GB" dirty="0" err="1"/>
+              <a:rPr lang="en-IN" dirty="0" err="1"/>
               <a:t>self.findCommand</a:t>
             </a:r>
             <a:r>
-              <a:rPr lang="en-GB" dirty="0"/>
+              <a:rPr lang="en-IN" dirty="0"/>
               <a:t>)</a:t>
             </a:r>
           </a:p>
           <a:p>
-            <a:endParaRPr lang="en-GB" dirty="0"/>
-          </a:p>
-          <a:p>
-            <a:r>
-              <a:rPr lang="en-GB" dirty="0"/>
-              <a:t> </a:t>
-            </a:r>
-            <a:r>
-              <a:rPr lang="en-GB" dirty="0" err="1"/>
+            <a:r>
+              <a:rPr lang="en-IN" dirty="0"/>
+              <a:t/>
+            </a:r>
+            <a:br>
+              <a:rPr lang="en-IN" dirty="0"/>
+            </a:br>
+            <a:r>
+              <a:rPr lang="en-IN" dirty="0"/>
+              <a:t>    </a:t>
+            </a:r>
+            <a:r>
+              <a:rPr lang="en-IN" dirty="0" err="1"/>
               <a:t>def</a:t>
             </a:r>
             <a:r>
-              <a:rPr lang="en-GB" dirty="0"/>
-              <a:t> </a:t>
-            </a:r>
-            <a:r>
-              <a:rPr lang="en-GB" dirty="0" err="1"/>
+              <a:rPr lang="en-IN" dirty="0"/>
+              <a:t> </a:t>
+            </a:r>
+            <a:r>
+              <a:rPr lang="en-IN" dirty="0" err="1"/>
               <a:t>findCommand</a:t>
             </a:r>
             <a:r>
-              <a:rPr lang="en-GB" dirty="0"/>
+              <a:rPr lang="en-IN" dirty="0"/>
               <a:t>(self):</a:t>
             </a:r>
-            <a:endParaRPr lang="en-IN" dirty="0"/>
-          </a:p>
-          <a:p>
-            <a:r>
-              <a:rPr lang="en-GB" dirty="0"/>
-              <a:t>        print(</a:t>
-            </a:r>
-            <a:r>
-              <a:rPr lang="en-GB" dirty="0" err="1"/>
+          </a:p>
+          <a:p>
+            <a:r>
+              <a:rPr lang="en-IN" dirty="0"/>
+              <a:t>        stream = </a:t>
+            </a:r>
+            <a:r>
+              <a:rPr lang="en-IN" dirty="0" err="1"/>
+              <a:t>os.popen</a:t>
+            </a:r>
+            <a:r>
+              <a:rPr lang="en-IN" dirty="0"/>
+              <a:t>(</a:t>
+            </a:r>
+            <a:r>
+              <a:rPr lang="en-IN" dirty="0" err="1"/>
               <a:t>self.my_label.text</a:t>
             </a:r>
             <a:r>
-              <a:rPr lang="en-GB" dirty="0"/>
+              <a:rPr lang="en-IN" dirty="0"/>
               <a:t>())</a:t>
             </a:r>
-            <a:endParaRPr lang="en-IN" dirty="0"/>
-          </a:p>
-          <a:p>
-            <a:r>
-              <a:rPr lang="en-GB" dirty="0"/>
-              <a:t>       # p = </a:t>
-            </a:r>
-            <a:r>
-              <a:rPr lang="en-GB" dirty="0" err="1"/>
+          </a:p>
+          <a:p>
+            <a:r>
+              <a:rPr lang="en-IN" dirty="0"/>
+              <a:t>        p = </a:t>
+            </a:r>
+            <a:r>
+              <a:rPr lang="en-IN" dirty="0" err="1"/>
               <a:t>subprocess.Popen</a:t>
             </a:r>
             <a:r>
-              <a:rPr lang="en-GB" dirty="0"/>
+              <a:rPr lang="en-IN" dirty="0"/>
               <a:t>(["</a:t>
             </a:r>
             <a:r>
-              <a:rPr lang="en-GB" dirty="0" err="1"/>
+              <a:rPr lang="en-IN" dirty="0" err="1"/>
               <a:t>whereis</a:t>
             </a:r>
             <a:r>
-              <a:rPr lang="en-GB" dirty="0"/>
+              <a:rPr lang="en-IN" dirty="0"/>
               <a:t>",</a:t>
             </a:r>
             <a:r>
-              <a:rPr lang="en-GB" dirty="0" err="1"/>
+              <a:rPr lang="en-IN" dirty="0" err="1"/>
               <a:t>self.my_label.text</a:t>
             </a:r>
             <a:r>
-              <a:rPr lang="en-GB" dirty="0"/>
-              <a:t>()], </a:t>
-            </a:r>
-            <a:r>
-              <a:rPr lang="en-GB" dirty="0" err="1"/>
+              <a:rPr lang="en-IN" dirty="0"/>
+              <a:t>()], </a:t>
+            </a:r>
+            <a:r>
+              <a:rPr lang="en-IN" dirty="0" err="1"/>
               <a:t>stdout</a:t>
             </a:r>
             <a:r>
-              <a:rPr lang="en-GB" dirty="0"/>
+              <a:rPr lang="en-IN" dirty="0"/>
               <a:t>=</a:t>
             </a:r>
             <a:r>
-              <a:rPr lang="en-GB" dirty="0" err="1"/>
+              <a:rPr lang="en-IN" dirty="0" err="1"/>
               <a:t>subprocess.PIPE</a:t>
             </a:r>
             <a:r>
-              <a:rPr lang="en-GB" dirty="0"/>
-              <a:t>) </a:t>
-            </a:r>
-            <a:endParaRPr lang="en-IN" dirty="0"/>
-          </a:p>
-          <a:p>
-            <a:r>
-              <a:rPr lang="en-GB" dirty="0"/>
-              <a:t>        </a:t>
-            </a:r>
-            <a:endParaRPr lang="en-IN" dirty="0"/>
-          </a:p>
-          <a:p>
-            <a:r>
-              <a:rPr lang="en-GB" dirty="0"/>
-              <a:t>        </a:t>
-            </a:r>
-            <a:r>
-              <a:rPr lang="en-GB" dirty="0" err="1"/>
+              <a:rPr lang="en-IN" dirty="0"/>
+              <a:t>) </a:t>
+            </a:r>
+          </a:p>
+          <a:p>
+            <a:r>
+              <a:rPr lang="en-IN" dirty="0"/>
+              <a:t>        </a:t>
+            </a:r>
+            <a:r>
+              <a:rPr lang="en-IN" dirty="0" err="1"/>
               <a:t>directory_content</a:t>
             </a:r>
             <a:r>
-              <a:rPr lang="en-GB" dirty="0"/>
-              <a:t> = "string"</a:t>
-            </a:r>
-            <a:endParaRPr lang="en-IN" dirty="0"/>
-          </a:p>
-          <a:p>
-            <a:r>
-              <a:rPr lang="en-GB" dirty="0"/>
-              <a:t>        </a:t>
-            </a:r>
-            <a:r>
-              <a:rPr lang="en-GB" dirty="0" err="1"/>
-              <a:t>os.system</a:t>
-            </a:r>
-            <a:r>
-              <a:rPr lang="en-GB" dirty="0"/>
-              <a:t>('</a:t>
-            </a:r>
-            <a:r>
-              <a:rPr lang="en-GB" dirty="0" err="1"/>
-              <a:t>whereis</a:t>
-            </a:r>
-            <a:r>
-              <a:rPr lang="en-GB" dirty="0"/>
-              <a:t> </a:t>
-            </a:r>
-            <a:r>
-              <a:rPr lang="en-GB" dirty="0" err="1"/>
-              <a:t>ls'</a:t>
-            </a:r>
-            <a:r>
-              <a:rPr lang="en-GB" dirty="0"/>
+              <a:rPr lang="en-IN" dirty="0"/>
+              <a:t> = </a:t>
+            </a:r>
+            <a:r>
+              <a:rPr lang="en-IN" dirty="0" err="1"/>
+              <a:t>p.stdout.readlines</a:t>
+            </a:r>
+            <a:r>
+              <a:rPr lang="en-IN" dirty="0"/>
+              <a:t>()[0]</a:t>
+            </a:r>
+          </a:p>
+          <a:p>
+            <a:r>
+              <a:rPr lang="en-IN" dirty="0"/>
+              <a:t>        length = </a:t>
+            </a:r>
+            <a:r>
+              <a:rPr lang="en-IN" dirty="0" err="1"/>
+              <a:t>len</a:t>
+            </a:r>
+            <a:r>
+              <a:rPr lang="en-IN" dirty="0"/>
+              <a:t>(</a:t>
+            </a:r>
+            <a:r>
+              <a:rPr lang="en-IN" dirty="0" err="1"/>
+              <a:t>directory_content</a:t>
+            </a:r>
+            <a:r>
+              <a:rPr lang="en-IN" dirty="0"/>
               <a:t>)</a:t>
             </a:r>
-            <a:endParaRPr lang="en-IN" dirty="0"/>
-          </a:p>
-          <a:p>
-            <a:r>
-              <a:rPr lang="en-GB" dirty="0"/>
-              <a:t>        length = </a:t>
-            </a:r>
-            <a:r>
-              <a:rPr lang="en-GB" dirty="0" err="1"/>
-              <a:t>len</a:t>
-            </a:r>
-            <a:r>
-              <a:rPr lang="en-GB" dirty="0"/>
+          </a:p>
+          <a:p>
+            <a:r>
+              <a:rPr lang="en-IN" dirty="0"/>
+              <a:t>        </a:t>
+            </a:r>
+            <a:r>
+              <a:rPr lang="en-IN" dirty="0" err="1"/>
+              <a:t>outputText</a:t>
+            </a:r>
+            <a:r>
+              <a:rPr lang="en-IN" dirty="0"/>
+              <a:t> = </a:t>
+            </a:r>
+            <a:r>
+              <a:rPr lang="en-IN" dirty="0" err="1"/>
+              <a:t>str</a:t>
+            </a:r>
+            <a:r>
+              <a:rPr lang="en-IN" dirty="0"/>
               <a:t>(</a:t>
             </a:r>
             <a:r>
-              <a:rPr lang="en-GB" dirty="0" err="1"/>
+              <a:rPr lang="en-IN" dirty="0" err="1"/>
               <a:t>directory_content</a:t>
             </a:r>
             <a:r>
-              <a:rPr lang="en-GB" dirty="0"/>
+              <a:rPr lang="en-IN" dirty="0"/>
+              <a:t>[0:length-1])</a:t>
+            </a:r>
+          </a:p>
+          <a:p>
+            <a:r>
+              <a:rPr lang="en-IN" dirty="0"/>
+              <a:t>        </a:t>
+            </a:r>
+            <a:r>
+              <a:rPr lang="en-IN" dirty="0" err="1"/>
+              <a:t>self.outputLabel.setText</a:t>
+            </a:r>
+            <a:r>
+              <a:rPr lang="en-IN" dirty="0"/>
+              <a:t>(</a:t>
+            </a:r>
+            <a:r>
+              <a:rPr lang="en-IN" dirty="0" err="1"/>
+              <a:t>outputText</a:t>
+            </a:r>
+            <a:r>
+              <a:rPr lang="en-IN" dirty="0"/>
+              <a:t>  )</a:t>
+            </a:r>
+          </a:p>
+          <a:p>
+            <a:r>
+              <a:rPr lang="en-IN" dirty="0"/>
+              <a:t>        </a:t>
+            </a:r>
+            <a:r>
+              <a:rPr lang="en-IN" dirty="0" err="1"/>
+              <a:t>self.layout.addWidget</a:t>
+            </a:r>
+            <a:r>
+              <a:rPr lang="en-IN" dirty="0"/>
+              <a:t>(</a:t>
+            </a:r>
+            <a:r>
+              <a:rPr lang="en-IN" dirty="0" err="1"/>
+              <a:t>self.outputLabel</a:t>
+            </a:r>
+            <a:r>
+              <a:rPr lang="en-IN" dirty="0"/>
               <a:t>)</a:t>
             </a:r>
-            <a:endParaRPr lang="en-IN" dirty="0"/>
-          </a:p>
-          <a:p>
-            <a:r>
-              <a:rPr lang="en-GB" dirty="0"/>
-              <a:t>        </a:t>
-            </a:r>
-            <a:r>
-              <a:rPr lang="en-GB" dirty="0" err="1"/>
-              <a:t>outputText</a:t>
-            </a:r>
-            <a:r>
-              <a:rPr lang="en-GB" dirty="0"/>
-              <a:t> = </a:t>
-            </a:r>
-            <a:r>
-              <a:rPr lang="en-GB" dirty="0" err="1"/>
-              <a:t>str</a:t>
-            </a:r>
-            <a:r>
-              <a:rPr lang="en-GB" dirty="0"/>
+          </a:p>
+          <a:p>
+            <a:r>
+              <a:rPr lang="en-IN" dirty="0"/>
+              <a:t>        </a:t>
+            </a:r>
+          </a:p>
+          <a:p>
+            <a:r>
+              <a:rPr lang="en-IN" dirty="0"/>
+              <a:t>if __name__ == '__main__':                       </a:t>
+            </a:r>
+          </a:p>
+          <a:p>
+            <a:r>
+              <a:rPr lang="en-IN" dirty="0"/>
+              <a:t>    import sys</a:t>
+            </a:r>
+          </a:p>
+          <a:p>
+            <a:r>
+              <a:rPr lang="en-IN" dirty="0"/>
+              <a:t>    app = </a:t>
+            </a:r>
+            <a:r>
+              <a:rPr lang="en-IN" dirty="0" err="1"/>
+              <a:t>QApplication</a:t>
+            </a:r>
+            <a:r>
+              <a:rPr lang="en-IN" dirty="0"/>
               <a:t>(</a:t>
             </a:r>
             <a:r>
-              <a:rPr lang="en-GB" dirty="0" err="1"/>
-              <a:t>directory_content</a:t>
-            </a:r>
-            <a:r>
-              <a:rPr lang="en-GB" dirty="0"/>
-              <a:t>[0:length-1])</a:t>
-            </a:r>
-            <a:endParaRPr lang="en-IN" dirty="0"/>
-          </a:p>
-          <a:p>
-            <a:r>
-              <a:rPr lang="en-GB" dirty="0"/>
-              <a:t>        </a:t>
-            </a:r>
-            <a:r>
-              <a:rPr lang="en-GB" dirty="0" err="1"/>
-              <a:t>self.outputLabel.setText</a:t>
-            </a:r>
-            <a:r>
-              <a:rPr lang="en-GB" dirty="0"/>
+              <a:rPr lang="en-IN" dirty="0" err="1"/>
+              <a:t>sys.argv</a:t>
+            </a:r>
+            <a:r>
+              <a:rPr lang="en-IN" dirty="0"/>
+              <a:t>)</a:t>
+            </a:r>
+          </a:p>
+          <a:p>
+            <a:r>
+              <a:rPr lang="en-IN" dirty="0"/>
+              <a:t>    window = Page()</a:t>
+            </a:r>
+          </a:p>
+          <a:p>
+            <a:r>
+              <a:rPr lang="en-IN" dirty="0"/>
+              <a:t>    </a:t>
+            </a:r>
+            <a:r>
+              <a:rPr lang="en-IN" dirty="0" err="1"/>
+              <a:t>window.show</a:t>
+            </a:r>
+            <a:r>
+              <a:rPr lang="en-IN" dirty="0"/>
+              <a:t>()</a:t>
+            </a:r>
+          </a:p>
+          <a:p>
+            <a:r>
+              <a:rPr lang="en-IN" dirty="0"/>
+              <a:t>    </a:t>
+            </a:r>
+            <a:r>
+              <a:rPr lang="en-IN" dirty="0" err="1"/>
+              <a:t>sys.exit</a:t>
+            </a:r>
+            <a:r>
+              <a:rPr lang="en-IN" dirty="0"/>
               <a:t>(</a:t>
             </a:r>
             <a:r>
-              <a:rPr lang="en-GB" dirty="0" err="1"/>
-              <a:t>outputText</a:t>
-            </a:r>
-            <a:r>
-              <a:rPr lang="en-GB" dirty="0"/>
-              <a:t>  )</a:t>
-            </a:r>
-            <a:endParaRPr lang="en-IN" dirty="0"/>
-          </a:p>
-          <a:p>
-            <a:r>
-              <a:rPr lang="en-GB" dirty="0"/>
-              <a:t>        </a:t>
-            </a:r>
-            <a:r>
-              <a:rPr lang="en-GB" dirty="0" err="1"/>
-              <a:t>self.layout.addWidget</a:t>
-            </a:r>
-            <a:r>
-              <a:rPr lang="en-GB" dirty="0"/>
-              <a:t>(</a:t>
-            </a:r>
-            <a:r>
-              <a:rPr lang="en-GB" dirty="0" err="1"/>
-              <a:t>self.outputLabel</a:t>
-            </a:r>
-            <a:r>
-              <a:rPr lang="en-GB" dirty="0"/>
-              <a:t>)</a:t>
-            </a:r>
-            <a:endParaRPr lang="en-IN" dirty="0"/>
-          </a:p>
-          <a:p>
-            <a:r>
-              <a:rPr lang="en-GB" dirty="0"/>
-              <a:t>        </a:t>
-            </a:r>
-            <a:endParaRPr lang="en-IN" dirty="0"/>
-          </a:p>
-          <a:p>
-            <a:r>
-              <a:rPr lang="en-GB" dirty="0"/>
-              <a:t>if __name__ == '__main__':                       </a:t>
-            </a:r>
-            <a:endParaRPr lang="en-IN" dirty="0"/>
-          </a:p>
-          <a:p>
-            <a:r>
-              <a:rPr lang="en-GB" dirty="0"/>
-              <a:t>    import sys</a:t>
-            </a:r>
-            <a:endParaRPr lang="en-IN" dirty="0"/>
-          </a:p>
-          <a:p>
-            <a:r>
-              <a:rPr lang="en-GB" dirty="0"/>
-              <a:t>    app = </a:t>
-            </a:r>
-            <a:r>
-              <a:rPr lang="en-GB" dirty="0" err="1"/>
-              <a:t>QApplication</a:t>
-            </a:r>
-            <a:r>
-              <a:rPr lang="en-GB" dirty="0"/>
-              <a:t>(</a:t>
-            </a:r>
-            <a:r>
-              <a:rPr lang="en-GB" dirty="0" err="1"/>
-              <a:t>sys.argv</a:t>
-            </a:r>
-            <a:r>
-              <a:rPr lang="en-GB" dirty="0"/>
-              <a:t>)</a:t>
-            </a:r>
-            <a:endParaRPr lang="en-IN" dirty="0"/>
-          </a:p>
-          <a:p>
-            <a:r>
-              <a:rPr lang="en-GB" dirty="0"/>
-              <a:t>    window = Page()</a:t>
-            </a:r>
-            <a:endParaRPr lang="en-IN" dirty="0"/>
-          </a:p>
-          <a:p>
-            <a:r>
-              <a:rPr lang="en-GB" dirty="0"/>
-              <a:t>    </a:t>
-            </a:r>
-            <a:r>
-              <a:rPr lang="en-GB" dirty="0" err="1"/>
-              <a:t>window.show</a:t>
-            </a:r>
-            <a:r>
-              <a:rPr lang="en-GB" dirty="0"/>
-              <a:t>()</a:t>
-            </a:r>
-            <a:endParaRPr lang="en-IN" dirty="0"/>
-          </a:p>
-          <a:p>
-            <a:r>
-              <a:rPr lang="en-GB" dirty="0"/>
-              <a:t>    </a:t>
-            </a:r>
-            <a:r>
-              <a:rPr lang="en-GB" dirty="0" err="1"/>
-              <a:t>sys.exit</a:t>
-            </a:r>
-            <a:r>
-              <a:rPr lang="en-GB" dirty="0"/>
-              <a:t>(</a:t>
-            </a:r>
-            <a:r>
-              <a:rPr lang="en-GB" dirty="0" err="1"/>
+              <a:rPr lang="en-IN" dirty="0" err="1"/>
               <a:t>app.exec</a:t>
             </a:r>
             <a:r>
-              <a:rPr lang="en-GB" dirty="0"/>
-              <a:t>_())</a:t>
-            </a:r>
+              <a:rPr lang="en-IN" dirty="0"/>
+              <a:t>_())   </a:t>
+            </a:r>
+          </a:p>
+          <a:p>
+            <a:r>
+              <a:rPr lang="en-GB" sz="1400" dirty="0"/>
+              <a:t> </a:t>
+            </a:r>
+            <a:endParaRPr lang="en-IN" sz="1400" dirty="0"/>
+          </a:p>
+          <a:p>
             <a:endParaRPr lang="en-IN" dirty="0"/>
           </a:p>
         </p:txBody>
